--- a/PPT/Angular07-TS.pptx
+++ b/PPT/Angular07-TS.pptx
@@ -4059,6 +4059,13 @@
   <p:clrMapOvr>
     <a:masterClrMapping/>
   </p:clrMapOvr>
+  <p:timing>
+    <p:tnLst>
+      <p:par>
+        <p:cTn id="1" dur="indefinite" restart="never" nodeType="tmRoot"/>
+      </p:par>
+    </p:tnLst>
+  </p:timing>
 </p:sld>
 </file>
 
@@ -4164,6 +4171,13 @@
   <p:clrMapOvr>
     <a:masterClrMapping/>
   </p:clrMapOvr>
+  <p:timing>
+    <p:tnLst>
+      <p:par>
+        <p:cTn id="1" dur="indefinite" restart="never" nodeType="tmRoot"/>
+      </p:par>
+    </p:tnLst>
+  </p:timing>
 </p:sld>
 </file>
 
@@ -4319,6 +4333,13 @@
   <p:clrMapOvr>
     <a:masterClrMapping/>
   </p:clrMapOvr>
+  <p:timing>
+    <p:tnLst>
+      <p:par>
+        <p:cTn id="1" dur="indefinite" restart="never" nodeType="tmRoot"/>
+      </p:par>
+    </p:tnLst>
+  </p:timing>
 </p:sld>
 </file>
 
@@ -4501,6 +4522,13 @@
   <p:clrMapOvr>
     <a:masterClrMapping/>
   </p:clrMapOvr>
+  <p:timing>
+    <p:tnLst>
+      <p:par>
+        <p:cTn id="1" dur="indefinite" restart="never" nodeType="tmRoot"/>
+      </p:par>
+    </p:tnLst>
+  </p:timing>
 </p:sld>
 </file>
 
@@ -4723,6 +4751,13 @@
   <p:clrMapOvr>
     <a:masterClrMapping/>
   </p:clrMapOvr>
+  <p:timing>
+    <p:tnLst>
+      <p:par>
+        <p:cTn id="1" dur="indefinite" restart="never" nodeType="tmRoot"/>
+      </p:par>
+    </p:tnLst>
+  </p:timing>
 </p:sld>
 </file>
 
@@ -4918,6 +4953,13 @@
   <p:clrMapOvr>
     <a:masterClrMapping/>
   </p:clrMapOvr>
+  <p:timing>
+    <p:tnLst>
+      <p:par>
+        <p:cTn id="1" dur="indefinite" restart="never" nodeType="tmRoot"/>
+      </p:par>
+    </p:tnLst>
+  </p:timing>
 </p:sld>
 </file>
 
@@ -5054,6 +5096,13 @@
   <p:clrMapOvr>
     <a:masterClrMapping/>
   </p:clrMapOvr>
+  <p:timing>
+    <p:tnLst>
+      <p:par>
+        <p:cTn id="1" dur="indefinite" restart="never" nodeType="tmRoot"/>
+      </p:par>
+    </p:tnLst>
+  </p:timing>
 </p:sld>
 </file>
 
@@ -5274,6 +5323,13 @@
   <p:clrMapOvr>
     <a:masterClrMapping/>
   </p:clrMapOvr>
+  <p:timing>
+    <p:tnLst>
+      <p:par>
+        <p:cTn id="1" dur="indefinite" restart="never" nodeType="tmRoot"/>
+      </p:par>
+    </p:tnLst>
+  </p:timing>
 </p:sld>
 </file>
 
@@ -5406,21 +5462,6 @@
             </a:r>
             <a:endParaRPr lang="fr-FR" dirty="0" smtClean="0"/>
           </a:p>
-          <a:p>
-            <a:r>
-              <a:rPr lang="fr-FR" dirty="0" smtClean="0"/>
-              <a:t>Inclus dans </a:t>
-            </a:r>
-            <a:r>
-              <a:rPr lang="fr-FR" dirty="0" err="1" smtClean="0"/>
-              <a:t>Angular</a:t>
-            </a:r>
-            <a:r>
-              <a:rPr lang="fr-FR" dirty="0" smtClean="0"/>
-              <a:t> CLI</a:t>
-            </a:r>
-            <a:endParaRPr lang="fr-FR" dirty="0"/>
-          </a:p>
         </p:txBody>
       </p:sp>
     </p:spTree>
@@ -5433,6 +5474,13 @@
   <p:clrMapOvr>
     <a:masterClrMapping/>
   </p:clrMapOvr>
+  <p:timing>
+    <p:tnLst>
+      <p:par>
+        <p:cTn id="1" dur="indefinite" restart="never" nodeType="tmRoot"/>
+      </p:par>
+    </p:tnLst>
+  </p:timing>
 </p:sld>
 </file>
 
@@ -5581,30 +5629,6 @@
               <a:t>hello.ts</a:t>
             </a:r>
             <a:endParaRPr lang="fr-FR" dirty="0" smtClean="0"/>
-          </a:p>
-          <a:p>
-            <a:pPr lvl="1"/>
-            <a:r>
-              <a:rPr lang="fr-FR" dirty="0" smtClean="0"/>
-              <a:t>Ou via </a:t>
-            </a:r>
-            <a:r>
-              <a:rPr lang="fr-FR" dirty="0" err="1" smtClean="0"/>
-              <a:t>node</a:t>
-            </a:r>
-            <a:endParaRPr lang="fr-FR" dirty="0" smtClean="0"/>
-          </a:p>
-          <a:p>
-            <a:pPr lvl="1"/>
-            <a:r>
-              <a:rPr lang="fr-FR" dirty="0" err="1" smtClean="0"/>
-              <a:t>Node</a:t>
-            </a:r>
-            <a:r>
-              <a:rPr lang="fr-FR" smtClean="0"/>
-              <a:t> hello.js</a:t>
-            </a:r>
-            <a:endParaRPr lang="fr-FR" dirty="0"/>
           </a:p>
         </p:txBody>
       </p:sp>
@@ -5642,6 +5666,13 @@
   <p:clrMapOvr>
     <a:masterClrMapping/>
   </p:clrMapOvr>
+  <p:timing>
+    <p:tnLst>
+      <p:par>
+        <p:cTn id="1" dur="indefinite" restart="never" nodeType="tmRoot"/>
+      </p:par>
+    </p:tnLst>
+  </p:timing>
 </p:sld>
 </file>
 
@@ -5800,6 +5831,13 @@
   <p:clrMapOvr>
     <a:masterClrMapping/>
   </p:clrMapOvr>
+  <p:timing>
+    <p:tnLst>
+      <p:par>
+        <p:cTn id="1" dur="indefinite" restart="never" nodeType="tmRoot"/>
+      </p:par>
+    </p:tnLst>
+  </p:timing>
 </p:sld>
 </file>
 
@@ -5952,6 +5990,13 @@
   <p:clrMapOvr>
     <a:masterClrMapping/>
   </p:clrMapOvr>
+  <p:timing>
+    <p:tnLst>
+      <p:par>
+        <p:cTn id="1" dur="indefinite" restart="never" nodeType="tmRoot"/>
+      </p:par>
+    </p:tnLst>
+  </p:timing>
 </p:sld>
 </file>
 
@@ -6054,6 +6099,13 @@
   <p:clrMapOvr>
     <a:masterClrMapping/>
   </p:clrMapOvr>
+  <p:timing>
+    <p:tnLst>
+      <p:par>
+        <p:cTn id="1" dur="indefinite" restart="never" nodeType="tmRoot"/>
+      </p:par>
+    </p:tnLst>
+  </p:timing>
 </p:sld>
 </file>
 
@@ -6205,6 +6257,13 @@
   <p:clrMapOvr>
     <a:masterClrMapping/>
   </p:clrMapOvr>
+  <p:timing>
+    <p:tnLst>
+      <p:par>
+        <p:cTn id="1" dur="indefinite" restart="never" nodeType="tmRoot"/>
+      </p:par>
+    </p:tnLst>
+  </p:timing>
 </p:sld>
 </file>
 
@@ -6404,6 +6463,13 @@
   <p:clrMapOvr>
     <a:masterClrMapping/>
   </p:clrMapOvr>
+  <p:timing>
+    <p:tnLst>
+      <p:par>
+        <p:cTn id="1" dur="indefinite" restart="never" nodeType="tmRoot"/>
+      </p:par>
+    </p:tnLst>
+  </p:timing>
 </p:sld>
 </file>
 

--- a/PPT/Angular07-TS.pptx
+++ b/PPT/Angular07-TS.pptx
@@ -5,10 +5,10 @@
     <p:sldMasterId id="2147483653" r:id="rId1"/>
   </p:sldMasterIdLst>
   <p:notesMasterIdLst>
-    <p:notesMasterId r:id="rId18"/>
+    <p:notesMasterId r:id="rId17"/>
   </p:notesMasterIdLst>
   <p:handoutMasterIdLst>
-    <p:handoutMasterId r:id="rId19"/>
+    <p:handoutMasterId r:id="rId18"/>
   </p:handoutMasterIdLst>
   <p:sldIdLst>
     <p:sldId id="264" r:id="rId2"/>
@@ -25,8 +25,7 @@
     <p:sldId id="319" r:id="rId13"/>
     <p:sldId id="322" r:id="rId14"/>
     <p:sldId id="323" r:id="rId15"/>
-    <p:sldId id="324" r:id="rId16"/>
-    <p:sldId id="325" r:id="rId17"/>
+    <p:sldId id="325" r:id="rId16"/>
   </p:sldIdLst>
   <p:sldSz cx="9144000" cy="6858000" type="screen4x3"/>
   <p:notesSz cx="6648450" cy="9782175"/>
@@ -4762,208 +4761,6 @@
 </file>
 
 <file path=ppt/slides/slide15.xml><?xml version="1.0" encoding="utf-8"?>
-<p:sld xmlns:a="http://schemas.openxmlformats.org/drawingml/2006/main" xmlns:r="http://schemas.openxmlformats.org/officeDocument/2006/relationships" xmlns:p="http://schemas.openxmlformats.org/presentationml/2006/main">
-  <p:cSld>
-    <p:spTree>
-      <p:nvGrpSpPr>
-        <p:cNvPr id="1" name=""/>
-        <p:cNvGrpSpPr/>
-        <p:nvPr/>
-      </p:nvGrpSpPr>
-      <p:grpSpPr>
-        <a:xfrm>
-          <a:off x="0" y="0"/>
-          <a:ext cx="0" cy="0"/>
-          <a:chOff x="0" y="0"/>
-          <a:chExt cx="0" cy="0"/>
-        </a:xfrm>
-      </p:grpSpPr>
-      <p:sp>
-        <p:nvSpPr>
-          <p:cNvPr id="2" name="Titre 1"/>
-          <p:cNvSpPr>
-            <a:spLocks noGrp="1"/>
-          </p:cNvSpPr>
-          <p:nvPr>
-            <p:ph type="title"/>
-          </p:nvPr>
-        </p:nvSpPr>
-        <p:spPr/>
-        <p:txBody>
-          <a:bodyPr/>
-          <a:lstStyle/>
-          <a:p>
-            <a:r>
-              <a:rPr lang="fr-FR" dirty="0" smtClean="0"/>
-              <a:t>Import Export default</a:t>
-            </a:r>
-            <a:endParaRPr lang="fr-FR" dirty="0"/>
-          </a:p>
-        </p:txBody>
-      </p:sp>
-      <p:sp>
-        <p:nvSpPr>
-          <p:cNvPr id="3" name="Espace réservé du contenu 2"/>
-          <p:cNvSpPr>
-            <a:spLocks noGrp="1"/>
-          </p:cNvSpPr>
-          <p:nvPr>
-            <p:ph idx="1"/>
-          </p:nvPr>
-        </p:nvSpPr>
-        <p:spPr/>
-        <p:txBody>
-          <a:bodyPr/>
-          <a:lstStyle/>
-          <a:p>
-            <a:r>
-              <a:rPr lang="fr-FR" dirty="0" smtClean="0"/>
-              <a:t>Chaque module peut avoir un export par défaut</a:t>
-            </a:r>
-          </a:p>
-          <a:p>
-            <a:endParaRPr lang="fr-FR" dirty="0"/>
-          </a:p>
-          <a:p>
-            <a:endParaRPr lang="fr-FR" dirty="0" smtClean="0"/>
-          </a:p>
-          <a:p>
-            <a:endParaRPr lang="fr-FR" dirty="0"/>
-          </a:p>
-          <a:p>
-            <a:endParaRPr lang="fr-FR" dirty="0" smtClean="0"/>
-          </a:p>
-          <a:p>
-            <a:endParaRPr lang="fr-FR" dirty="0"/>
-          </a:p>
-          <a:p>
-            <a:r>
-              <a:rPr lang="fr-FR" dirty="0" smtClean="0"/>
-              <a:t>Import</a:t>
-            </a:r>
-          </a:p>
-          <a:p>
-            <a:endParaRPr lang="fr-FR" dirty="0"/>
-          </a:p>
-        </p:txBody>
-      </p:sp>
-      <p:pic>
-        <p:nvPicPr>
-          <p:cNvPr id="4" name="Image 3"/>
-          <p:cNvPicPr>
-            <a:picLocks noChangeAspect="1"/>
-          </p:cNvPicPr>
-          <p:nvPr/>
-        </p:nvPicPr>
-        <p:blipFill>
-          <a:blip r:embed="rId2"/>
-          <a:stretch>
-            <a:fillRect/>
-          </a:stretch>
-        </p:blipFill>
-        <p:spPr>
-          <a:xfrm>
-            <a:off x="1043607" y="2060848"/>
-            <a:ext cx="2851517" cy="648072"/>
-          </a:xfrm>
-          <a:prstGeom prst="rect">
-            <a:avLst/>
-          </a:prstGeom>
-        </p:spPr>
-      </p:pic>
-      <p:pic>
-        <p:nvPicPr>
-          <p:cNvPr id="5" name="Image 4"/>
-          <p:cNvPicPr>
-            <a:picLocks noChangeAspect="1"/>
-          </p:cNvPicPr>
-          <p:nvPr/>
-        </p:nvPicPr>
-        <p:blipFill>
-          <a:blip r:embed="rId3"/>
-          <a:stretch>
-            <a:fillRect/>
-          </a:stretch>
-        </p:blipFill>
-        <p:spPr>
-          <a:xfrm>
-            <a:off x="2486025" y="2728838"/>
-            <a:ext cx="6657975" cy="1323975"/>
-          </a:xfrm>
-          <a:prstGeom prst="rect">
-            <a:avLst/>
-          </a:prstGeom>
-        </p:spPr>
-      </p:pic>
-      <p:pic>
-        <p:nvPicPr>
-          <p:cNvPr id="6" name="Image 5"/>
-          <p:cNvPicPr>
-            <a:picLocks noChangeAspect="1"/>
-          </p:cNvPicPr>
-          <p:nvPr/>
-        </p:nvPicPr>
-        <p:blipFill>
-          <a:blip r:embed="rId4"/>
-          <a:stretch>
-            <a:fillRect/>
-          </a:stretch>
-        </p:blipFill>
-        <p:spPr>
-          <a:xfrm>
-            <a:off x="392915" y="5006924"/>
-            <a:ext cx="5406142" cy="942355"/>
-          </a:xfrm>
-          <a:prstGeom prst="rect">
-            <a:avLst/>
-          </a:prstGeom>
-        </p:spPr>
-      </p:pic>
-      <p:pic>
-        <p:nvPicPr>
-          <p:cNvPr id="7" name="Image 6"/>
-          <p:cNvPicPr>
-            <a:picLocks noChangeAspect="1"/>
-          </p:cNvPicPr>
-          <p:nvPr/>
-        </p:nvPicPr>
-        <p:blipFill>
-          <a:blip r:embed="rId5"/>
-          <a:stretch>
-            <a:fillRect/>
-          </a:stretch>
-        </p:blipFill>
-        <p:spPr>
-          <a:xfrm>
-            <a:off x="5214446" y="5890276"/>
-            <a:ext cx="3990975" cy="733425"/>
-          </a:xfrm>
-          <a:prstGeom prst="rect">
-            <a:avLst/>
-          </a:prstGeom>
-        </p:spPr>
-      </p:pic>
-    </p:spTree>
-    <p:extLst>
-      <p:ext uri="{BB962C8B-B14F-4D97-AF65-F5344CB8AC3E}">
-        <p14:creationId xmlns:p14="http://schemas.microsoft.com/office/powerpoint/2010/main" val="1877426691"/>
-      </p:ext>
-    </p:extLst>
-  </p:cSld>
-  <p:clrMapOvr>
-    <a:masterClrMapping/>
-  </p:clrMapOvr>
-  <p:timing>
-    <p:tnLst>
-      <p:par>
-        <p:cTn id="1" dur="indefinite" restart="never" nodeType="tmRoot"/>
-      </p:par>
-    </p:tnLst>
-  </p:timing>
-</p:sld>
-</file>
-
-<file path=ppt/slides/slide16.xml><?xml version="1.0" encoding="utf-8"?>
 <p:sld xmlns:a="http://schemas.openxmlformats.org/drawingml/2006/main" xmlns:r="http://schemas.openxmlformats.org/officeDocument/2006/relationships" xmlns:p="http://schemas.openxmlformats.org/presentationml/2006/main">
   <p:cSld>
     <p:spTree>

--- a/PPT/Angular07-TS.pptx
+++ b/PPT/Angular07-TS.pptx
@@ -4817,8 +4817,24 @@
           <a:p>
             <a:r>
               <a:rPr lang="fr-FR" dirty="0" smtClean="0"/>
-              <a:t>Il s'agit d'un module global</a:t>
-            </a:r>
+              <a:t>Il s'agit d'un module </a:t>
+            </a:r>
+            <a:r>
+              <a:rPr lang="fr-FR" dirty="0" smtClean="0"/>
+              <a:t>global</a:t>
+            </a:r>
+          </a:p>
+          <a:p>
+            <a:pPr lvl="1"/>
+            <a:r>
+              <a:rPr lang="fr-FR" dirty="0" smtClean="0"/>
+              <a:t>Universal Module </a:t>
+            </a:r>
+            <a:r>
+              <a:rPr lang="fr-FR" smtClean="0"/>
+              <a:t>Definition</a:t>
+            </a:r>
+            <a:endParaRPr lang="fr-FR" dirty="0" smtClean="0"/>
           </a:p>
           <a:p>
             <a:pPr lvl="1"/>
@@ -4876,7 +4892,7 @@
               <a:t>core</a:t>
             </a:r>
             <a:r>
-              <a:rPr lang="fr-FR" smtClean="0"/>
+              <a:rPr lang="fr-FR" dirty="0" smtClean="0"/>
               <a:t>"</a:t>
             </a:r>
             <a:endParaRPr lang="fr-FR" dirty="0"/>
